--- a/rx/Vue项目最佳实践.pptx
+++ b/rx/Vue项目最佳实践.pptx
@@ -25550,31 +25550,6 @@
       </p:sp>
       <p:pic>
         <p:nvPicPr>
-          <p:cNvPr id="5" name="Image 1" descr="https://assets.mindshow.fun/assets/edit/watermark.png"/>
-          <p:cNvPicPr>
-            <a:picLocks noChangeAspect="1"/>
-          </p:cNvPicPr>
-          <p:nvPr/>
-        </p:nvPicPr>
-        <p:blipFill>
-          <a:blip r:embed="rId2"/>
-          <a:srcRect/>
-          <a:stretch>
-            <a:fillRect/>
-          </a:stretch>
-        </p:blipFill>
-        <p:spPr>
-          <a:xfrm>
-            <a:off x="7769543" y="4851083"/>
-            <a:ext cx="1328738" cy="266700"/>
-          </a:xfrm>
-          <a:prstGeom prst="rect">
-            <a:avLst/>
-          </a:prstGeom>
-        </p:spPr>
-      </p:pic>
-      <p:pic>
-        <p:nvPicPr>
           <p:cNvPr id="6" name="图片 5"/>
           <p:cNvPicPr>
             <a:picLocks noChangeAspect="1"/>
@@ -25582,7 +25557,7 @@
           <p:nvPr/>
         </p:nvPicPr>
         <p:blipFill>
-          <a:blip r:embed="rId3"/>
+          <a:blip r:embed="rId2"/>
           <a:stretch>
             <a:fillRect/>
           </a:stretch>
@@ -25749,7 +25724,7 @@
       </p:sp>
       <p:pic>
         <p:nvPicPr>
-          <p:cNvPr id="5" name="Image 1" descr="https://assets.mindshow.fun/assets/edit/watermark.png"/>
+          <p:cNvPr id="6" name="图片 5"/>
           <p:cNvPicPr>
             <a:picLocks noChangeAspect="1"/>
           </p:cNvPicPr>
@@ -25757,15 +25732,38 @@
         </p:nvPicPr>
         <p:blipFill>
           <a:blip r:embed="rId2"/>
-          <a:srcRect/>
           <a:stretch>
             <a:fillRect/>
           </a:stretch>
         </p:blipFill>
         <p:spPr>
           <a:xfrm>
-            <a:off x="7769543" y="4851083"/>
-            <a:ext cx="1328738" cy="266700"/>
+            <a:off x="5474970" y="2355850"/>
+            <a:ext cx="1933575" cy="2762250"/>
+          </a:xfrm>
+          <a:prstGeom prst="rect">
+            <a:avLst/>
+          </a:prstGeom>
+        </p:spPr>
+      </p:pic>
+      <p:pic>
+        <p:nvPicPr>
+          <p:cNvPr id="8" name="图片 7"/>
+          <p:cNvPicPr>
+            <a:picLocks noChangeAspect="1"/>
+          </p:cNvPicPr>
+          <p:nvPr/>
+        </p:nvPicPr>
+        <p:blipFill>
+          <a:blip r:embed="rId3"/>
+          <a:stretch>
+            <a:fillRect/>
+          </a:stretch>
+        </p:blipFill>
+        <p:spPr>
+          <a:xfrm>
+            <a:off x="1151255" y="2381250"/>
+            <a:ext cx="3962400" cy="1181100"/>
           </a:xfrm>
           <a:prstGeom prst="rect">
             <a:avLst/>
@@ -26054,48 +26052,6 @@
           <a:bodyPr wrap="square" rtlCol="0" anchor="t"/>
           <a:lstStyle/>
           <a:p>
-            <a:pPr marL="0" indent="0" algn="l">
-              <a:lnSpc>
-                <a:spcPct val="150000"/>
-              </a:lnSpc>
-              <a:buSzPct val="100000"/>
-              <a:buNone/>
-            </a:pPr>
-            <a:r>
-              <a:rPr lang="en-US" sz="1680" b="1" dirty="0">
-                <a:solidFill>
-                  <a:srgbClr val="000000"/>
-                </a:solidFill>
-                <a:latin typeface="Noto Sans SC" pitchFamily="34" charset="0"/>
-                <a:ea typeface="Noto Sans SC" pitchFamily="34" charset="-122"/>
-                <a:cs typeface="Noto Sans SC" pitchFamily="34" charset="-120"/>
-              </a:rPr>
-              <a:t>非必要不生成SourceMap</a:t>
-            </a:r>
-            <a:br>
-              <a:rPr lang="en-US" sz="1680" b="1" dirty="0">
-                <a:solidFill>
-                  <a:srgbClr val="000000"/>
-                </a:solidFill>
-                <a:latin typeface="Noto Sans SC" pitchFamily="34" charset="0"/>
-                <a:ea typeface="Noto Sans SC" pitchFamily="34" charset="-122"/>
-                <a:cs typeface="Noto Sans SC" pitchFamily="34" charset="-120"/>
-              </a:rPr>
-            </a:br>
-            <a:r>
-              <a:rPr lang="en-US" sz="1680" dirty="0">
-                <a:solidFill>
-                  <a:srgbClr val="000000"/>
-                </a:solidFill>
-                <a:latin typeface="Noto Sans SC" pitchFamily="34" charset="0"/>
-                <a:ea typeface="Noto Sans SC" pitchFamily="34" charset="-122"/>
-                <a:cs typeface="Noto Sans SC" pitchFamily="34" charset="-120"/>
-              </a:rPr>
-              <a:t>SourceMap是编译后代码和原始代码的映射，不发布到生产，通常做法是上传到异常监控服务器，用于解析线上错误信息</a:t>
-            </a:r>
-            <a:endParaRPr lang="en-US" sz="1680" dirty="0"/>
-          </a:p>
-          <a:p>
             <a:pPr marL="190500" indent="-190500" algn="l">
               <a:lnSpc>
                 <a:spcPct val="150000"/>
@@ -26132,6 +26088,29 @@
                 <a:latin typeface="Noto Sans SC" pitchFamily="34" charset="0"/>
                 <a:ea typeface="Noto Sans SC" pitchFamily="34" charset="-122"/>
                 <a:cs typeface="Noto Sans SC" pitchFamily="34" charset="-120"/>
+                <a:sym typeface="+mn-ea"/>
+              </a:rPr>
+              <a:t>非必要不生成SourceMap</a:t>
+            </a:r>
+            <a:endParaRPr lang="en-US" sz="1680" dirty="0"/>
+          </a:p>
+          <a:p>
+            <a:pPr marL="190500" indent="-190500" algn="l">
+              <a:lnSpc>
+                <a:spcPct val="150000"/>
+              </a:lnSpc>
+              <a:buSzPct val="100000"/>
+              <a:buChar char="•"/>
+            </a:pPr>
+            <a:r>
+              <a:rPr lang="en-US" sz="1680" dirty="0">
+                <a:solidFill>
+                  <a:srgbClr val="000000"/>
+                </a:solidFill>
+                <a:latin typeface="Noto Sans SC" pitchFamily="34" charset="0"/>
+                <a:ea typeface="Noto Sans SC" pitchFamily="34" charset="-122"/>
+                <a:cs typeface="Noto Sans SC" pitchFamily="34" charset="-120"/>
+                <a:sym typeface="+mn-ea"/>
               </a:rPr>
               <a:t>最小watch范围</a:t>
             </a:r>
